--- a/My Note and Practice/Machine Learning.pptx
+++ b/My Note and Practice/Machine Learning.pptx
@@ -243,7 +243,7 @@
           <a:p>
             <a:fld id="{A463BEF8-2A5A-4075-B248-90E60B479EBA}" type="datetimeFigureOut">
               <a:rPr lang="en-US" smtClean="0"/>
-              <a:t>11/6/2025</a:t>
+              <a:t>11/8/2025</a:t>
             </a:fld>
             <a:endParaRPr lang="en-US"/>
           </a:p>
@@ -420,7 +420,7 @@
           <a:p>
             <a:fld id="{348758D4-9FD0-498E-9041-45CF01EEADBD}" type="datetimeFigureOut">
               <a:rPr lang="en-US" smtClean="0"/>
-              <a:t>11/6/2025</a:t>
+              <a:t>11/8/2025</a:t>
             </a:fld>
             <a:endParaRPr lang="en-US"/>
           </a:p>
@@ -834,7 +834,7 @@
           <a:p>
             <a:fld id="{77A0EB37-A1BA-41BC-B687-846C0F903E8E}" type="datetimeFigureOut">
               <a:rPr lang="en-US" smtClean="0"/>
-              <a:t>11/6/2025</a:t>
+              <a:t>11/8/2025</a:t>
             </a:fld>
             <a:endParaRPr lang="en-US"/>
           </a:p>
@@ -1032,7 +1032,7 @@
           <a:p>
             <a:fld id="{77A0EB37-A1BA-41BC-B687-846C0F903E8E}" type="datetimeFigureOut">
               <a:rPr lang="en-US" smtClean="0"/>
-              <a:t>11/6/2025</a:t>
+              <a:t>11/8/2025</a:t>
             </a:fld>
             <a:endParaRPr lang="en-US"/>
           </a:p>
@@ -1240,7 +1240,7 @@
           <a:p>
             <a:fld id="{77A0EB37-A1BA-41BC-B687-846C0F903E8E}" type="datetimeFigureOut">
               <a:rPr lang="en-US" smtClean="0"/>
-              <a:t>11/6/2025</a:t>
+              <a:t>11/8/2025</a:t>
             </a:fld>
             <a:endParaRPr lang="en-US"/>
           </a:p>
@@ -1438,7 +1438,7 @@
           <a:p>
             <a:fld id="{77A0EB37-A1BA-41BC-B687-846C0F903E8E}" type="datetimeFigureOut">
               <a:rPr lang="en-US" smtClean="0"/>
-              <a:t>11/6/2025</a:t>
+              <a:t>11/8/2025</a:t>
             </a:fld>
             <a:endParaRPr lang="en-US"/>
           </a:p>
@@ -1713,7 +1713,7 @@
           <a:p>
             <a:fld id="{77A0EB37-A1BA-41BC-B687-846C0F903E8E}" type="datetimeFigureOut">
               <a:rPr lang="en-US" smtClean="0"/>
-              <a:t>11/6/2025</a:t>
+              <a:t>11/8/2025</a:t>
             </a:fld>
             <a:endParaRPr lang="en-US"/>
           </a:p>
@@ -1978,7 +1978,7 @@
           <a:p>
             <a:fld id="{77A0EB37-A1BA-41BC-B687-846C0F903E8E}" type="datetimeFigureOut">
               <a:rPr lang="en-US" smtClean="0"/>
-              <a:t>11/6/2025</a:t>
+              <a:t>11/8/2025</a:t>
             </a:fld>
             <a:endParaRPr lang="en-US"/>
           </a:p>
@@ -2390,7 +2390,7 @@
           <a:p>
             <a:fld id="{77A0EB37-A1BA-41BC-B687-846C0F903E8E}" type="datetimeFigureOut">
               <a:rPr lang="en-US" smtClean="0"/>
-              <a:t>11/6/2025</a:t>
+              <a:t>11/8/2025</a:t>
             </a:fld>
             <a:endParaRPr lang="en-US"/>
           </a:p>
@@ -2531,7 +2531,7 @@
           <a:p>
             <a:fld id="{77A0EB37-A1BA-41BC-B687-846C0F903E8E}" type="datetimeFigureOut">
               <a:rPr lang="en-US" smtClean="0"/>
-              <a:t>11/6/2025</a:t>
+              <a:t>11/8/2025</a:t>
             </a:fld>
             <a:endParaRPr lang="en-US"/>
           </a:p>
@@ -2644,7 +2644,7 @@
           <a:p>
             <a:fld id="{77A0EB37-A1BA-41BC-B687-846C0F903E8E}" type="datetimeFigureOut">
               <a:rPr lang="en-US" smtClean="0"/>
-              <a:t>11/6/2025</a:t>
+              <a:t>11/8/2025</a:t>
             </a:fld>
             <a:endParaRPr lang="en-US"/>
           </a:p>
@@ -2955,7 +2955,7 @@
           <a:p>
             <a:fld id="{77A0EB37-A1BA-41BC-B687-846C0F903E8E}" type="datetimeFigureOut">
               <a:rPr lang="en-US" smtClean="0"/>
-              <a:t>11/6/2025</a:t>
+              <a:t>11/8/2025</a:t>
             </a:fld>
             <a:endParaRPr lang="en-US"/>
           </a:p>
@@ -3243,7 +3243,7 @@
           <a:p>
             <a:fld id="{77A0EB37-A1BA-41BC-B687-846C0F903E8E}" type="datetimeFigureOut">
               <a:rPr lang="en-US" smtClean="0"/>
-              <a:t>11/6/2025</a:t>
+              <a:t>11/8/2025</a:t>
             </a:fld>
             <a:endParaRPr lang="en-US"/>
           </a:p>
@@ -3484,7 +3484,7 @@
           <a:p>
             <a:fld id="{77A0EB37-A1BA-41BC-B687-846C0F903E8E}" type="datetimeFigureOut">
               <a:rPr lang="en-US" smtClean="0"/>
-              <a:t>11/6/2025</a:t>
+              <a:t>11/8/2025</a:t>
             </a:fld>
             <a:endParaRPr lang="en-US"/>
           </a:p>
